--- a/lesson23.pptx
+++ b/lesson23.pptx
@@ -149,7 +149,7 @@
 <file path=ppt/revisionInfo.xml><?xml version="1.0" encoding="utf-8"?>
 <p1510:revInfo xmlns:a="http://schemas.openxmlformats.org/drawingml/2006/main" xmlns:r="http://schemas.openxmlformats.org/officeDocument/2006/relationships" xmlns:p1510="http://schemas.microsoft.com/office/powerpoint/2015/10/main">
   <p1510:revLst>
-    <p1510:client id="{D9482A95-4C7B-4020-A6E7-C0029FD587A0}" v="11" dt="2023-07-26T17:06:59.315"/>
+    <p1510:client id="{D9482A95-4C7B-4020-A6E7-C0029FD587A0}" v="16" dt="2023-07-26T17:38:59.802"/>
   </p1510:revLst>
 </p1510:revInfo>
 </file>
@@ -2135,7 +2135,7 @@
   <pc:docChgLst>
     <pc:chgData name="Anatoliy Kigel" userId="7432c6c4687b0a9c" providerId="LiveId" clId="{D9482A95-4C7B-4020-A6E7-C0029FD587A0}"/>
     <pc:docChg chg="custSel addSld delSld modSld">
-      <pc:chgData name="Anatoliy Kigel" userId="7432c6c4687b0a9c" providerId="LiveId" clId="{D9482A95-4C7B-4020-A6E7-C0029FD587A0}" dt="2023-07-26T17:06:59.315" v="63" actId="1035"/>
+      <pc:chgData name="Anatoliy Kigel" userId="7432c6c4687b0a9c" providerId="LiveId" clId="{D9482A95-4C7B-4020-A6E7-C0029FD587A0}" dt="2023-07-26T17:39:02.119" v="97" actId="1035"/>
       <pc:docMkLst>
         <pc:docMk/>
       </pc:docMkLst>
@@ -2197,12 +2197,20 @@
           <pc:sldMk cId="1685464006" sldId="582"/>
         </pc:sldMkLst>
       </pc:sldChg>
-      <pc:sldChg chg="delSp modSp mod">
-        <pc:chgData name="Anatoliy Kigel" userId="7432c6c4687b0a9c" providerId="LiveId" clId="{D9482A95-4C7B-4020-A6E7-C0029FD587A0}" dt="2023-07-26T17:06:59.315" v="63" actId="1035"/>
+      <pc:sldChg chg="addSp delSp modSp mod">
+        <pc:chgData name="Anatoliy Kigel" userId="7432c6c4687b0a9c" providerId="LiveId" clId="{D9482A95-4C7B-4020-A6E7-C0029FD587A0}" dt="2023-07-26T17:39:02.119" v="97" actId="1035"/>
         <pc:sldMkLst>
           <pc:docMk/>
           <pc:sldMk cId="1827236022" sldId="629"/>
         </pc:sldMkLst>
+        <pc:spChg chg="add mod">
+          <ac:chgData name="Anatoliy Kigel" userId="7432c6c4687b0a9c" providerId="LiveId" clId="{D9482A95-4C7B-4020-A6E7-C0029FD587A0}" dt="2023-07-26T17:39:02.119" v="97" actId="1035"/>
+          <ac:spMkLst>
+            <pc:docMk/>
+            <pc:sldMk cId="1827236022" sldId="629"/>
+            <ac:spMk id="3" creationId="{3766AF31-2E12-8F54-8913-46473D6355AC}"/>
+          </ac:spMkLst>
+        </pc:spChg>
         <pc:spChg chg="del">
           <ac:chgData name="Anatoliy Kigel" userId="7432c6c4687b0a9c" providerId="LiveId" clId="{D9482A95-4C7B-4020-A6E7-C0029FD587A0}" dt="2023-07-26T17:06:53.832" v="52" actId="478"/>
           <ac:spMkLst>
@@ -2212,6 +2220,14 @@
           </ac:spMkLst>
         </pc:spChg>
         <pc:spChg chg="mod">
+          <ac:chgData name="Anatoliy Kigel" userId="7432c6c4687b0a9c" providerId="LiveId" clId="{D9482A95-4C7B-4020-A6E7-C0029FD587A0}" dt="2023-07-26T17:38:33.896" v="77" actId="207"/>
+          <ac:spMkLst>
+            <pc:docMk/>
+            <pc:sldMk cId="1827236022" sldId="629"/>
+            <ac:spMk id="8" creationId="{4DC89016-41C8-4C18-B8A7-211AC6E6A25D}"/>
+          </ac:spMkLst>
+        </pc:spChg>
+        <pc:spChg chg="mod">
           <ac:chgData name="Anatoliy Kigel" userId="7432c6c4687b0a9c" providerId="LiveId" clId="{D9482A95-4C7B-4020-A6E7-C0029FD587A0}" dt="2023-07-26T17:06:57.178" v="58" actId="1036"/>
           <ac:spMkLst>
             <pc:docMk/>
@@ -2220,7 +2236,7 @@
           </ac:spMkLst>
         </pc:spChg>
         <pc:picChg chg="mod">
-          <ac:chgData name="Anatoliy Kigel" userId="7432c6c4687b0a9c" providerId="LiveId" clId="{D9482A95-4C7B-4020-A6E7-C0029FD587A0}" dt="2023-07-26T17:06:59.315" v="63" actId="1035"/>
+          <ac:chgData name="Anatoliy Kigel" userId="7432c6c4687b0a9c" providerId="LiveId" clId="{D9482A95-4C7B-4020-A6E7-C0029FD587A0}" dt="2023-07-26T17:38:59.801" v="95" actId="1036"/>
           <ac:picMkLst>
             <pc:docMk/>
             <pc:sldMk cId="1827236022" sldId="629"/>
@@ -11019,7 +11035,7 @@
         </p:blipFill>
         <p:spPr bwMode="auto">
           <a:xfrm>
-            <a:off x="1572714" y="548680"/>
+            <a:off x="1572714" y="376808"/>
             <a:ext cx="9046572" cy="4636368"/>
           </a:xfrm>
           <a:prstGeom prst="rect">
@@ -11083,9 +11099,41 @@
                 <a:effectLst/>
                 <a:latin typeface="Rubik"/>
               </a:rPr>
-              <a:t> Firebase</a:t>
+              <a:t> Firebase </a:t>
+            </a:r>
+            <a:r>
+              <a:rPr lang="en-US" sz="6000" b="1" i="0" dirty="0">
+                <a:effectLst/>
+                <a:latin typeface="Rubik"/>
+              </a:rPr>
+              <a:t>&amp;</a:t>
+            </a:r>
+            <a:r>
+              <a:rPr lang="en-US" sz="6000" b="1" i="0" dirty="0">
+                <a:solidFill>
+                  <a:schemeClr val="accent6">
+                    <a:lumMod val="75000"/>
+                  </a:schemeClr>
+                </a:solidFill>
+                <a:effectLst/>
+                <a:latin typeface="Rubik"/>
+              </a:rPr>
+              <a:t> </a:t>
+            </a:r>
+            <a:r>
+              <a:rPr lang="en-US" sz="6000" b="1" i="0" dirty="0" err="1">
+                <a:solidFill>
+                  <a:srgbClr val="0070C0"/>
+                </a:solidFill>
+                <a:effectLst/>
+                <a:latin typeface="Rubik"/>
+              </a:rPr>
+              <a:t>Firestore</a:t>
             </a:r>
             <a:endParaRPr lang="uk-UA" sz="6000" b="1" i="0" dirty="0">
+              <a:solidFill>
+                <a:srgbClr val="0070C0"/>
+              </a:solidFill>
               <a:effectLst/>
               <a:latin typeface="Rubik"/>
             </a:endParaRPr>
@@ -11127,6 +11175,45 @@
               <a:t>https://firebase.google.com/</a:t>
             </a:r>
             <a:endParaRPr lang="ru-RU" sz="3200" b="1" dirty="0"/>
+          </a:p>
+        </p:txBody>
+      </p:sp>
+      <p:sp>
+        <p:nvSpPr>
+          <p:cNvPr id="3" name="TextBox 2">
+            <a:extLst>
+              <a:ext uri="{FF2B5EF4-FFF2-40B4-BE49-F238E27FC236}">
+                <a16:creationId xmlns:a16="http://schemas.microsoft.com/office/drawing/2014/main" id="{3766AF31-2E12-8F54-8913-46473D6355AC}"/>
+              </a:ext>
+            </a:extLst>
+          </p:cNvPr>
+          <p:cNvSpPr txBox="1"/>
+          <p:nvPr/>
+        </p:nvSpPr>
+        <p:spPr>
+          <a:xfrm>
+            <a:off x="0" y="5445224"/>
+            <a:ext cx="12192000" cy="523220"/>
+          </a:xfrm>
+          <a:prstGeom prst="rect">
+            <a:avLst/>
+          </a:prstGeom>
+          <a:noFill/>
+        </p:spPr>
+        <p:txBody>
+          <a:bodyPr wrap="square">
+            <a:spAutoFit/>
+          </a:bodyPr>
+          <a:lstStyle/>
+          <a:p>
+            <a:pPr algn="ctr"/>
+            <a:r>
+              <a:rPr lang="uk-UA" sz="2800" b="1" dirty="0">
+                <a:hlinkClick r:id="rId4"/>
+              </a:rPr>
+              <a:t>https://firebase.google.com/docs/firestore/quickstart</a:t>
+            </a:r>
+            <a:endParaRPr lang="uk-UA" sz="2800" b="1" dirty="0"/>
           </a:p>
         </p:txBody>
       </p:sp>
